--- a/JavaScript Advance/JavaScript Advance.pptx
+++ b/JavaScript Advance/JavaScript Advance.pptx
@@ -113,6 +113,11 @@
       </a:defRPr>
     </a:lvl9pPr>
   </p:defaultTextStyle>
+  <p:extLst>
+    <p:ext uri="{EFAFB233-063F-42B5-8137-9DF3F51BA10A}">
+      <p15:sldGuideLst xmlns:p15="http://schemas.microsoft.com/office/powerpoint/2012/main"/>
+    </p:ext>
+  </p:extLst>
 </p:presentation>
 </file>
 
@@ -838,7 +843,7 @@
           <a:p>
             <a:fld id="{83B3BD11-23D5-410B-BDE1-069FB16E6802}" type="datetimeFigureOut">
               <a:rPr lang="en-US" smtClean="0"/>
-              <a:t>3/24/2023</a:t>
+              <a:t>3/25/2023</a:t>
             </a:fld>
             <a:endParaRPr lang="en-US"/>
           </a:p>
@@ -1089,7 +1094,7 @@
           <a:p>
             <a:fld id="{83B3BD11-23D5-410B-BDE1-069FB16E6802}" type="datetimeFigureOut">
               <a:rPr lang="en-US" smtClean="0"/>
-              <a:t>3/24/2023</a:t>
+              <a:t>3/25/2023</a:t>
             </a:fld>
             <a:endParaRPr lang="en-US"/>
           </a:p>
@@ -1403,7 +1408,7 @@
           <a:p>
             <a:fld id="{83B3BD11-23D5-410B-BDE1-069FB16E6802}" type="datetimeFigureOut">
               <a:rPr lang="en-US" smtClean="0"/>
-              <a:t>3/24/2023</a:t>
+              <a:t>3/25/2023</a:t>
             </a:fld>
             <a:endParaRPr lang="en-US"/>
           </a:p>
@@ -1744,7 +1749,7 @@
           <a:p>
             <a:fld id="{83B3BD11-23D5-410B-BDE1-069FB16E6802}" type="datetimeFigureOut">
               <a:rPr lang="en-US" smtClean="0"/>
-              <a:t>3/24/2023</a:t>
+              <a:t>3/25/2023</a:t>
             </a:fld>
             <a:endParaRPr lang="en-US"/>
           </a:p>
@@ -2058,7 +2063,7 @@
           <a:p>
             <a:fld id="{83B3BD11-23D5-410B-BDE1-069FB16E6802}" type="datetimeFigureOut">
               <a:rPr lang="en-US" smtClean="0"/>
-              <a:t>3/24/2023</a:t>
+              <a:t>3/25/2023</a:t>
             </a:fld>
             <a:endParaRPr lang="en-US"/>
           </a:p>
@@ -2451,7 +2456,7 @@
           <a:p>
             <a:fld id="{83B3BD11-23D5-410B-BDE1-069FB16E6802}" type="datetimeFigureOut">
               <a:rPr lang="en-US" smtClean="0"/>
-              <a:t>3/24/2023</a:t>
+              <a:t>3/25/2023</a:t>
             </a:fld>
             <a:endParaRPr lang="en-US"/>
           </a:p>
@@ -2621,7 +2626,7 @@
           <a:p>
             <a:fld id="{83B3BD11-23D5-410B-BDE1-069FB16E6802}" type="datetimeFigureOut">
               <a:rPr lang="en-US" smtClean="0"/>
-              <a:t>3/24/2023</a:t>
+              <a:t>3/25/2023</a:t>
             </a:fld>
             <a:endParaRPr lang="en-US"/>
           </a:p>
@@ -2801,7 +2806,7 @@
           <a:p>
             <a:fld id="{83B3BD11-23D5-410B-BDE1-069FB16E6802}" type="datetimeFigureOut">
               <a:rPr lang="en-US" smtClean="0"/>
-              <a:t>3/24/2023</a:t>
+              <a:t>3/25/2023</a:t>
             </a:fld>
             <a:endParaRPr lang="en-US"/>
           </a:p>
@@ -2977,7 +2982,7 @@
           <a:p>
             <a:fld id="{83B3BD11-23D5-410B-BDE1-069FB16E6802}" type="datetimeFigureOut">
               <a:rPr lang="en-US" smtClean="0"/>
-              <a:t>3/24/2023</a:t>
+              <a:t>3/25/2023</a:t>
             </a:fld>
             <a:endParaRPr lang="en-US"/>
           </a:p>
@@ -3224,7 +3229,7 @@
           <a:p>
             <a:fld id="{83B3BD11-23D5-410B-BDE1-069FB16E6802}" type="datetimeFigureOut">
               <a:rPr lang="en-US" smtClean="0"/>
-              <a:t>3/24/2023</a:t>
+              <a:t>3/25/2023</a:t>
             </a:fld>
             <a:endParaRPr lang="en-US"/>
           </a:p>
@@ -3456,7 +3461,7 @@
           <a:p>
             <a:fld id="{83B3BD11-23D5-410B-BDE1-069FB16E6802}" type="datetimeFigureOut">
               <a:rPr lang="en-US" smtClean="0"/>
-              <a:t>3/24/2023</a:t>
+              <a:t>3/25/2023</a:t>
             </a:fld>
             <a:endParaRPr lang="en-US"/>
           </a:p>
@@ -3830,7 +3835,7 @@
           <a:p>
             <a:fld id="{83B3BD11-23D5-410B-BDE1-069FB16E6802}" type="datetimeFigureOut">
               <a:rPr lang="en-US" smtClean="0"/>
-              <a:t>3/24/2023</a:t>
+              <a:t>3/25/2023</a:t>
             </a:fld>
             <a:endParaRPr lang="en-US"/>
           </a:p>
@@ -3953,7 +3958,7 @@
           <a:p>
             <a:fld id="{83B3BD11-23D5-410B-BDE1-069FB16E6802}" type="datetimeFigureOut">
               <a:rPr lang="en-US" smtClean="0"/>
-              <a:t>3/24/2023</a:t>
+              <a:t>3/25/2023</a:t>
             </a:fld>
             <a:endParaRPr lang="en-US"/>
           </a:p>
@@ -4048,7 +4053,7 @@
           <a:p>
             <a:fld id="{83B3BD11-23D5-410B-BDE1-069FB16E6802}" type="datetimeFigureOut">
               <a:rPr lang="en-US" smtClean="0"/>
-              <a:t>3/24/2023</a:t>
+              <a:t>3/25/2023</a:t>
             </a:fld>
             <a:endParaRPr lang="en-US"/>
           </a:p>
@@ -4303,7 +4308,7 @@
           <a:p>
             <a:fld id="{83B3BD11-23D5-410B-BDE1-069FB16E6802}" type="datetimeFigureOut">
               <a:rPr lang="en-US" smtClean="0"/>
-              <a:t>3/24/2023</a:t>
+              <a:t>3/25/2023</a:t>
             </a:fld>
             <a:endParaRPr lang="en-US"/>
           </a:p>
@@ -4566,7 +4571,7 @@
           <a:p>
             <a:fld id="{83B3BD11-23D5-410B-BDE1-069FB16E6802}" type="datetimeFigureOut">
               <a:rPr lang="en-US" smtClean="0"/>
-              <a:t>3/24/2023</a:t>
+              <a:t>3/25/2023</a:t>
             </a:fld>
             <a:endParaRPr lang="en-US"/>
           </a:p>
@@ -5309,7 +5314,7 @@
           <a:p>
             <a:fld id="{83B3BD11-23D5-410B-BDE1-069FB16E6802}" type="datetimeFigureOut">
               <a:rPr lang="en-US" smtClean="0"/>
-              <a:t>3/24/2023</a:t>
+              <a:t>3/25/2023</a:t>
             </a:fld>
             <a:endParaRPr lang="en-US"/>
           </a:p>
@@ -5951,11 +5956,7 @@
           <a:p>
             <a:r>
               <a:rPr lang="en-US" dirty="0" smtClean="0"/>
-              <a:t>A generator function is a function that can stop  midway and then continue  from where it stopped, a generator function can pause  he execution to achieve that behavior we use the </a:t>
-            </a:r>
-            <a:r>
-              <a:rPr lang="en-US" smtClean="0"/>
-              <a:t>yield keyword</a:t>
+              <a:t>A generator function is a function that can stop  midway and then continue  from where it stopped, a generator function can pause  he execution to achieve that behavior we use the yield keyword</a:t>
             </a:r>
             <a:endParaRPr lang="en-US" dirty="0"/>
           </a:p>
@@ -6670,8 +6671,31 @@
           <a:p>
             <a:r>
               <a:rPr lang="en-US" dirty="0"/>
-              <a:t>The other use is inheritance, in JavaScript inheritance is supported through the concept of prototypes and is referred to as prototypal inheritance</a:t>
-            </a:r>
+              <a:t>The other use is inheritance, in JavaScript inheritance is supported through the concept of prototypes and is referred to as prototypal </a:t>
+            </a:r>
+            <a:r>
+              <a:rPr lang="en-US" dirty="0" smtClean="0"/>
+              <a:t>inheritance</a:t>
+            </a:r>
+          </a:p>
+          <a:p>
+            <a:endParaRPr lang="en-US" dirty="0"/>
+          </a:p>
+          <a:p>
+            <a:r>
+              <a:rPr lang="en-US" dirty="0"/>
+              <a:t>All JavaScript objects inherit properties and methods from a prototype.</a:t>
+            </a:r>
+          </a:p>
+          <a:p>
+            <a:r>
+              <a:rPr lang="en-US" dirty="0"/>
+              <a:t/>
+            </a:r>
+            <a:br>
+              <a:rPr lang="en-US" dirty="0"/>
+            </a:br>
+            <a:endParaRPr lang="en-US" dirty="0"/>
           </a:p>
           <a:p>
             <a:endParaRPr lang="en-US" dirty="0"/>
@@ -6823,7 +6847,9 @@
         </p:nvSpPr>
         <p:spPr/>
         <p:txBody>
-          <a:bodyPr/>
+          <a:bodyPr>
+            <a:normAutofit fontScale="92500" lnSpcReduction="10000"/>
+          </a:bodyPr>
           <a:lstStyle/>
           <a:p>
             <a:r>
@@ -6865,15 +6891,15 @@
             </a:r>
             <a:r>
               <a:rPr lang="en-US" dirty="0" smtClean="0"/>
-              <a:t> it must implement a method at the key[</a:t>
-            </a:r>
-            <a:r>
-              <a:rPr lang="en-US" dirty="0" err="1"/>
-              <a:t>S</a:t>
+              <a:t> it must implement a method at the </a:t>
+            </a:r>
+            <a:r>
+              <a:rPr lang="en-US" dirty="0" smtClean="0"/>
+              <a:t>key[</a:t>
             </a:r>
             <a:r>
               <a:rPr lang="en-US" dirty="0" err="1" smtClean="0"/>
-              <a:t>ymbol.iterator</a:t>
+              <a:t>Symbol.iterator</a:t>
             </a:r>
             <a:r>
               <a:rPr lang="en-US" dirty="0" smtClean="0"/>
@@ -6905,6 +6931,160 @@
               <a:rPr lang="en-US" dirty="0" smtClean="0"/>
               <a:t>The object must have a next method that returns an object with two properties.</a:t>
             </a:r>
+          </a:p>
+          <a:p>
+            <a:pPr marL="0" lvl="0" indent="0" defTabSz="914400" eaLnBrk="0" fontAlgn="base" hangingPunct="0">
+              <a:spcBef>
+                <a:spcPct val="0"/>
+              </a:spcBef>
+              <a:spcAft>
+                <a:spcPct val="0"/>
+              </a:spcAft>
+              <a:buClrTx/>
+              <a:buSzTx/>
+              <a:buNone/>
+            </a:pPr>
+            <a:endParaRPr lang="en-US" altLang="en-US" dirty="0" smtClean="0">
+              <a:solidFill>
+                <a:srgbClr val="000000"/>
+              </a:solidFill>
+              <a:latin typeface="Verdana" panose="020B0604030504040204" pitchFamily="34" charset="0"/>
+            </a:endParaRPr>
+          </a:p>
+          <a:p>
+            <a:pPr defTabSz="914400" eaLnBrk="0" fontAlgn="base" hangingPunct="0">
+              <a:spcBef>
+                <a:spcPct val="0"/>
+              </a:spcBef>
+              <a:spcAft>
+                <a:spcPct val="0"/>
+              </a:spcAft>
+              <a:buClrTx/>
+              <a:buSzTx/>
+            </a:pPr>
+            <a:r>
+              <a:rPr lang="en-US" altLang="en-US" dirty="0" err="1" smtClean="0">
+                <a:solidFill>
+                  <a:srgbClr val="000000"/>
+                </a:solidFill>
+                <a:latin typeface="Verdana" panose="020B0604030504040204" pitchFamily="34" charset="0"/>
+              </a:rPr>
+              <a:t>Iterable</a:t>
+            </a:r>
+            <a:r>
+              <a:rPr lang="en-US" altLang="en-US" dirty="0" smtClean="0">
+                <a:solidFill>
+                  <a:srgbClr val="000000"/>
+                </a:solidFill>
+                <a:latin typeface="Verdana" panose="020B0604030504040204" pitchFamily="34" charset="0"/>
+              </a:rPr>
+              <a:t> </a:t>
+            </a:r>
+            <a:r>
+              <a:rPr lang="en-US" altLang="en-US" dirty="0">
+                <a:solidFill>
+                  <a:srgbClr val="000000"/>
+                </a:solidFill>
+                <a:latin typeface="Verdana" panose="020B0604030504040204" pitchFamily="34" charset="0"/>
+              </a:rPr>
+              <a:t>objects are objects that can be iterated over with </a:t>
+            </a:r>
+            <a:r>
+              <a:rPr lang="en-US" altLang="en-US" dirty="0" err="1">
+                <a:solidFill>
+                  <a:srgbClr val="DC143C"/>
+                </a:solidFill>
+                <a:latin typeface="Consolas" panose="020B0609020204030204" pitchFamily="49" charset="0"/>
+              </a:rPr>
+              <a:t>for..of</a:t>
+            </a:r>
+            <a:r>
+              <a:rPr lang="en-US" altLang="en-US" dirty="0">
+                <a:solidFill>
+                  <a:srgbClr val="000000"/>
+                </a:solidFill>
+                <a:latin typeface="Verdana" panose="020B0604030504040204" pitchFamily="34" charset="0"/>
+              </a:rPr>
+              <a:t>.</a:t>
+            </a:r>
+            <a:endParaRPr lang="en-US" altLang="en-US" dirty="0">
+              <a:solidFill>
+                <a:schemeClr val="tx1"/>
+              </a:solidFill>
+            </a:endParaRPr>
+          </a:p>
+          <a:p>
+            <a:pPr marL="0" lvl="0" indent="0" defTabSz="914400" eaLnBrk="0" fontAlgn="base" hangingPunct="0">
+              <a:spcBef>
+                <a:spcPct val="0"/>
+              </a:spcBef>
+              <a:spcAft>
+                <a:spcPct val="0"/>
+              </a:spcAft>
+              <a:buClrTx/>
+              <a:buSzTx/>
+              <a:buNone/>
+            </a:pPr>
+            <a:r>
+              <a:rPr lang="en-US" altLang="en-US" dirty="0">
+                <a:solidFill>
+                  <a:srgbClr val="000000"/>
+                </a:solidFill>
+                <a:latin typeface="Verdana" panose="020B0604030504040204" pitchFamily="34" charset="0"/>
+              </a:rPr>
+              <a:t>Technically, </a:t>
+            </a:r>
+            <a:r>
+              <a:rPr lang="en-US" altLang="en-US" dirty="0" err="1">
+                <a:solidFill>
+                  <a:srgbClr val="000000"/>
+                </a:solidFill>
+                <a:latin typeface="Verdana" panose="020B0604030504040204" pitchFamily="34" charset="0"/>
+              </a:rPr>
+              <a:t>iterables</a:t>
+            </a:r>
+            <a:r>
+              <a:rPr lang="en-US" altLang="en-US" dirty="0">
+                <a:solidFill>
+                  <a:srgbClr val="000000"/>
+                </a:solidFill>
+                <a:latin typeface="Verdana" panose="020B0604030504040204" pitchFamily="34" charset="0"/>
+              </a:rPr>
+              <a:t> must implement the </a:t>
+            </a:r>
+            <a:r>
+              <a:rPr lang="en-US" altLang="en-US" dirty="0" err="1">
+                <a:solidFill>
+                  <a:srgbClr val="DC143C"/>
+                </a:solidFill>
+                <a:latin typeface="Consolas" panose="020B0609020204030204" pitchFamily="49" charset="0"/>
+              </a:rPr>
+              <a:t>Symbol.iterator</a:t>
+            </a:r>
+            <a:r>
+              <a:rPr lang="en-US" altLang="en-US" dirty="0">
+                <a:solidFill>
+                  <a:srgbClr val="000000"/>
+                </a:solidFill>
+                <a:latin typeface="Verdana" panose="020B0604030504040204" pitchFamily="34" charset="0"/>
+              </a:rPr>
+              <a:t> method.</a:t>
+            </a:r>
+            <a:endParaRPr lang="en-US" altLang="en-US" sz="3200" dirty="0">
+              <a:solidFill>
+                <a:schemeClr val="tx1"/>
+              </a:solidFill>
+              <a:latin typeface="Arial" panose="020B0604020202020204" pitchFamily="34" charset="0"/>
+            </a:endParaRPr>
+          </a:p>
+          <a:p>
+            <a:endParaRPr lang="en-US" dirty="0" smtClean="0"/>
+          </a:p>
+          <a:p>
+            <a:endParaRPr lang="en-US" dirty="0" smtClean="0"/>
+          </a:p>
+          <a:p>
+            <a:endParaRPr lang="en-US" dirty="0" smtClean="0"/>
           </a:p>
           <a:p>
             <a:endParaRPr lang="en-US" dirty="0"/>

--- a/JavaScript Advance/JavaScript Advance.pptx
+++ b/JavaScript Advance/JavaScript Advance.pptx
@@ -843,7 +843,7 @@
           <a:p>
             <a:fld id="{83B3BD11-23D5-410B-BDE1-069FB16E6802}" type="datetimeFigureOut">
               <a:rPr lang="en-US" smtClean="0"/>
-              <a:t>3/25/2023</a:t>
+              <a:t>3/26/2023</a:t>
             </a:fld>
             <a:endParaRPr lang="en-US"/>
           </a:p>
@@ -1094,7 +1094,7 @@
           <a:p>
             <a:fld id="{83B3BD11-23D5-410B-BDE1-069FB16E6802}" type="datetimeFigureOut">
               <a:rPr lang="en-US" smtClean="0"/>
-              <a:t>3/25/2023</a:t>
+              <a:t>3/26/2023</a:t>
             </a:fld>
             <a:endParaRPr lang="en-US"/>
           </a:p>
@@ -1408,7 +1408,7 @@
           <a:p>
             <a:fld id="{83B3BD11-23D5-410B-BDE1-069FB16E6802}" type="datetimeFigureOut">
               <a:rPr lang="en-US" smtClean="0"/>
-              <a:t>3/25/2023</a:t>
+              <a:t>3/26/2023</a:t>
             </a:fld>
             <a:endParaRPr lang="en-US"/>
           </a:p>
@@ -1749,7 +1749,7 @@
           <a:p>
             <a:fld id="{83B3BD11-23D5-410B-BDE1-069FB16E6802}" type="datetimeFigureOut">
               <a:rPr lang="en-US" smtClean="0"/>
-              <a:t>3/25/2023</a:t>
+              <a:t>3/26/2023</a:t>
             </a:fld>
             <a:endParaRPr lang="en-US"/>
           </a:p>
@@ -2063,7 +2063,7 @@
           <a:p>
             <a:fld id="{83B3BD11-23D5-410B-BDE1-069FB16E6802}" type="datetimeFigureOut">
               <a:rPr lang="en-US" smtClean="0"/>
-              <a:t>3/25/2023</a:t>
+              <a:t>3/26/2023</a:t>
             </a:fld>
             <a:endParaRPr lang="en-US"/>
           </a:p>
@@ -2456,7 +2456,7 @@
           <a:p>
             <a:fld id="{83B3BD11-23D5-410B-BDE1-069FB16E6802}" type="datetimeFigureOut">
               <a:rPr lang="en-US" smtClean="0"/>
-              <a:t>3/25/2023</a:t>
+              <a:t>3/26/2023</a:t>
             </a:fld>
             <a:endParaRPr lang="en-US"/>
           </a:p>
@@ -2626,7 +2626,7 @@
           <a:p>
             <a:fld id="{83B3BD11-23D5-410B-BDE1-069FB16E6802}" type="datetimeFigureOut">
               <a:rPr lang="en-US" smtClean="0"/>
-              <a:t>3/25/2023</a:t>
+              <a:t>3/26/2023</a:t>
             </a:fld>
             <a:endParaRPr lang="en-US"/>
           </a:p>
@@ -2806,7 +2806,7 @@
           <a:p>
             <a:fld id="{83B3BD11-23D5-410B-BDE1-069FB16E6802}" type="datetimeFigureOut">
               <a:rPr lang="en-US" smtClean="0"/>
-              <a:t>3/25/2023</a:t>
+              <a:t>3/26/2023</a:t>
             </a:fld>
             <a:endParaRPr lang="en-US"/>
           </a:p>
@@ -2982,7 +2982,7 @@
           <a:p>
             <a:fld id="{83B3BD11-23D5-410B-BDE1-069FB16E6802}" type="datetimeFigureOut">
               <a:rPr lang="en-US" smtClean="0"/>
-              <a:t>3/25/2023</a:t>
+              <a:t>3/26/2023</a:t>
             </a:fld>
             <a:endParaRPr lang="en-US"/>
           </a:p>
@@ -3229,7 +3229,7 @@
           <a:p>
             <a:fld id="{83B3BD11-23D5-410B-BDE1-069FB16E6802}" type="datetimeFigureOut">
               <a:rPr lang="en-US" smtClean="0"/>
-              <a:t>3/25/2023</a:t>
+              <a:t>3/26/2023</a:t>
             </a:fld>
             <a:endParaRPr lang="en-US"/>
           </a:p>
@@ -3461,7 +3461,7 @@
           <a:p>
             <a:fld id="{83B3BD11-23D5-410B-BDE1-069FB16E6802}" type="datetimeFigureOut">
               <a:rPr lang="en-US" smtClean="0"/>
-              <a:t>3/25/2023</a:t>
+              <a:t>3/26/2023</a:t>
             </a:fld>
             <a:endParaRPr lang="en-US"/>
           </a:p>
@@ -3835,7 +3835,7 @@
           <a:p>
             <a:fld id="{83B3BD11-23D5-410B-BDE1-069FB16E6802}" type="datetimeFigureOut">
               <a:rPr lang="en-US" smtClean="0"/>
-              <a:t>3/25/2023</a:t>
+              <a:t>3/26/2023</a:t>
             </a:fld>
             <a:endParaRPr lang="en-US"/>
           </a:p>
@@ -3958,7 +3958,7 @@
           <a:p>
             <a:fld id="{83B3BD11-23D5-410B-BDE1-069FB16E6802}" type="datetimeFigureOut">
               <a:rPr lang="en-US" smtClean="0"/>
-              <a:t>3/25/2023</a:t>
+              <a:t>3/26/2023</a:t>
             </a:fld>
             <a:endParaRPr lang="en-US"/>
           </a:p>
@@ -4053,7 +4053,7 @@
           <a:p>
             <a:fld id="{83B3BD11-23D5-410B-BDE1-069FB16E6802}" type="datetimeFigureOut">
               <a:rPr lang="en-US" smtClean="0"/>
-              <a:t>3/25/2023</a:t>
+              <a:t>3/26/2023</a:t>
             </a:fld>
             <a:endParaRPr lang="en-US"/>
           </a:p>
@@ -4308,7 +4308,7 @@
           <a:p>
             <a:fld id="{83B3BD11-23D5-410B-BDE1-069FB16E6802}" type="datetimeFigureOut">
               <a:rPr lang="en-US" smtClean="0"/>
-              <a:t>3/25/2023</a:t>
+              <a:t>3/26/2023</a:t>
             </a:fld>
             <a:endParaRPr lang="en-US"/>
           </a:p>
@@ -4571,7 +4571,7 @@
           <a:p>
             <a:fld id="{83B3BD11-23D5-410B-BDE1-069FB16E6802}" type="datetimeFigureOut">
               <a:rPr lang="en-US" smtClean="0"/>
-              <a:t>3/25/2023</a:t>
+              <a:t>3/26/2023</a:t>
             </a:fld>
             <a:endParaRPr lang="en-US"/>
           </a:p>
@@ -5314,7 +5314,7 @@
           <a:p>
             <a:fld id="{83B3BD11-23D5-410B-BDE1-069FB16E6802}" type="datetimeFigureOut">
               <a:rPr lang="en-US" smtClean="0"/>
-              <a:t>3/25/2023</a:t>
+              <a:t>3/26/2023</a:t>
             </a:fld>
             <a:endParaRPr lang="en-US"/>
           </a:p>
@@ -6200,7 +6200,9 @@
         </p:nvSpPr>
         <p:spPr/>
         <p:txBody>
-          <a:bodyPr/>
+          <a:bodyPr>
+            <a:normAutofit fontScale="92500" lnSpcReduction="10000"/>
+          </a:bodyPr>
           <a:lstStyle/>
           <a:p>
             <a:r>
@@ -6220,8 +6222,50 @@
           <a:p>
             <a:r>
               <a:rPr lang="en-US" dirty="0" smtClean="0"/>
-              <a:t>With closures an inner function has access to variables in the outer function scope even after the outer function has finished its execution</a:t>
-            </a:r>
+              <a:t>With closures an inner function has access to variables in the outer function scope even after the outer function has finished its </a:t>
+            </a:r>
+            <a:r>
+              <a:rPr lang="en-US" dirty="0" smtClean="0"/>
+              <a:t>execution</a:t>
+            </a:r>
+          </a:p>
+          <a:p>
+            <a:r>
+              <a:rPr lang="en-US" dirty="0"/>
+              <a:t>JavaScript variables can belong to the </a:t>
+            </a:r>
+            <a:r>
+              <a:rPr lang="en-US" b="1" dirty="0"/>
+              <a:t>local</a:t>
+            </a:r>
+            <a:r>
+              <a:rPr lang="en-US" dirty="0"/>
+              <a:t> or </a:t>
+            </a:r>
+            <a:r>
+              <a:rPr lang="en-US" b="1" dirty="0"/>
+              <a:t>global</a:t>
+            </a:r>
+            <a:r>
+              <a:rPr lang="en-US" dirty="0"/>
+              <a:t> scope.</a:t>
+            </a:r>
+          </a:p>
+          <a:p>
+            <a:r>
+              <a:rPr lang="en-US" dirty="0"/>
+              <a:t>Global variables can be made local (private) with </a:t>
+            </a:r>
+            <a:r>
+              <a:rPr lang="en-US" b="1" dirty="0"/>
+              <a:t>closures</a:t>
+            </a:r>
+            <a:r>
+              <a:rPr lang="en-US" dirty="0"/>
+              <a:t>.</a:t>
+            </a:r>
+          </a:p>
+          <a:p>
             <a:endParaRPr lang="en-US" dirty="0"/>
           </a:p>
         </p:txBody>
@@ -6316,7 +6360,17 @@
           <a:p>
             <a:r>
               <a:rPr lang="en-US" dirty="0" smtClean="0"/>
-              <a:t>Currying is use to create reusable functions. Currying makes composing new function very easy</a:t>
+              <a:t>Currying is use to create reusable functions. Currying makes composing new function very </a:t>
+            </a:r>
+            <a:r>
+              <a:rPr lang="en-US" dirty="0" smtClean="0"/>
+              <a:t>easy</a:t>
+            </a:r>
+          </a:p>
+          <a:p>
+            <a:r>
+              <a:rPr lang="en-US" dirty="0"/>
+              <a:t>Currying in JavaScript transforms a function with multiple arguments into a nested series of functions, each taking a single argument. Currying helps you avoid passing the same variable multiple times, and it helps you create a higher order function</a:t>
             </a:r>
             <a:endParaRPr lang="en-US" dirty="0"/>
           </a:p>
@@ -6765,16 +6819,301 @@
             <p:ph idx="1"/>
           </p:nvPr>
         </p:nvSpPr>
-        <p:spPr/>
-        <p:txBody>
-          <a:bodyPr/>
-          <a:lstStyle/>
-          <a:p>
-            <a:r>
-              <a:rPr lang="en-US" dirty="0" smtClean="0"/>
+        <p:spPr>
+          <a:xfrm>
+            <a:off x="677334" y="2391138"/>
+            <a:ext cx="9781116" cy="3066687"/>
+          </a:xfrm>
+        </p:spPr>
+        <p:txBody>
+          <a:bodyPr>
+            <a:noAutofit/>
+          </a:bodyPr>
+          <a:lstStyle/>
+          <a:p>
+            <a:r>
+              <a:rPr lang="en-US" sz="1100" dirty="0"/>
               <a:t>In JavaScript classes are primarily syntactical sugar over the existing prototypal inheritance</a:t>
             </a:r>
-            <a:endParaRPr lang="en-US" dirty="0"/>
+          </a:p>
+          <a:p>
+            <a:pPr fontAlgn="base"/>
+            <a:r>
+              <a:rPr lang="en-US" altLang="en-US" sz="1100" dirty="0"/>
+              <a:t>Class Inheritance-To create a class inheritance, use the extends keyword. A class created with a class inheritance inherits all the methods from another </a:t>
+            </a:r>
+            <a:r>
+              <a:rPr lang="en-US" altLang="en-US" sz="1100" dirty="0"/>
+              <a:t>class:</a:t>
+            </a:r>
+          </a:p>
+          <a:p>
+            <a:pPr fontAlgn="base"/>
+            <a:r>
+              <a:rPr lang="en-US" altLang="en-US" sz="1100" dirty="0"/>
+              <a:t>The super() method refers to the parent </a:t>
+            </a:r>
+            <a:r>
+              <a:rPr lang="en-US" altLang="en-US" sz="1100" dirty="0" err="1" smtClean="0"/>
+              <a:t>class.By</a:t>
+            </a:r>
+            <a:r>
+              <a:rPr lang="en-US" altLang="en-US" sz="1100" dirty="0" smtClean="0"/>
+              <a:t> </a:t>
+            </a:r>
+            <a:r>
+              <a:rPr lang="en-US" altLang="en-US" sz="1100" dirty="0"/>
+              <a:t>calling the super() method in the constructor method, we call the parent's constructor method and gets access to the parent's properties and </a:t>
+            </a:r>
+            <a:r>
+              <a:rPr lang="en-US" altLang="en-US" sz="1100" dirty="0" smtClean="0"/>
+              <a:t>methods.</a:t>
+            </a:r>
+          </a:p>
+          <a:p>
+            <a:pPr fontAlgn="base"/>
+            <a:r>
+              <a:rPr lang="en-US" dirty="0"/>
+              <a:t>Inheritance is useful for code reusability: reuse properties and methods of an existing class when you create a new class</a:t>
+            </a:r>
+            <a:endParaRPr lang="en-US" altLang="en-US" sz="1100" dirty="0"/>
+          </a:p>
+          <a:p>
+            <a:pPr fontAlgn="base"/>
+            <a:endParaRPr lang="en-US" sz="1100" dirty="0"/>
+          </a:p>
+          <a:p>
+            <a:pPr fontAlgn="base"/>
+            <a:endParaRPr lang="en-US" sz="1100" dirty="0"/>
+          </a:p>
+          <a:p>
+            <a:endParaRPr lang="en-US" sz="1100" dirty="0"/>
+          </a:p>
+          <a:p>
+            <a:endParaRPr lang="en-US" sz="1100" dirty="0"/>
+          </a:p>
+        </p:txBody>
+      </p:sp>
+      <p:sp>
+        <p:nvSpPr>
+          <p:cNvPr id="6" name="Rectangle 3"/>
+          <p:cNvSpPr>
+            <a:spLocks noChangeArrowheads="1"/>
+          </p:cNvSpPr>
+          <p:nvPr/>
+        </p:nvSpPr>
+        <p:spPr bwMode="auto">
+          <a:xfrm>
+            <a:off x="0" y="97795"/>
+            <a:ext cx="258404" cy="261610"/>
+          </a:xfrm>
+          <a:prstGeom prst="rect">
+            <a:avLst/>
+          </a:prstGeom>
+          <a:solidFill>
+            <a:srgbClr val="FFFFFF"/>
+          </a:solidFill>
+          <a:ln>
+            <a:noFill/>
+          </a:ln>
+          <a:effectLst/>
+          <a:extLst>
+            <a:ext uri="{91240B29-F687-4F45-9708-019B960494DF}">
+              <a14:hiddenLine xmlns:a14="http://schemas.microsoft.com/office/drawing/2010/main" w="9525">
+                <a:solidFill>
+                  <a:schemeClr val="tx1"/>
+                </a:solidFill>
+                <a:miter lim="800000"/>
+                <a:headEnd/>
+                <a:tailEnd/>
+              </a14:hiddenLine>
+            </a:ext>
+            <a:ext uri="{AF507438-7753-43E0-B8FC-AC1667EBCBE1}">
+              <a14:hiddenEffects xmlns:a14="http://schemas.microsoft.com/office/drawing/2010/main">
+                <a:effectLst>
+                  <a:outerShdw dist="35921" dir="2700000" algn="ctr" rotWithShape="0">
+                    <a:schemeClr val="bg2"/>
+                  </a:outerShdw>
+                </a:effectLst>
+              </a14:hiddenEffects>
+            </a:ext>
+          </a:extLst>
+        </p:spPr>
+        <p:txBody>
+          <a:bodyPr vert="horz" wrap="none" lIns="91440" tIns="45720" rIns="91440" bIns="45720" numCol="1" anchor="ctr" anchorCtr="0" compatLnSpc="1">
+            <a:prstTxWarp prst="textNoShape">
+              <a:avLst/>
+            </a:prstTxWarp>
+            <a:spAutoFit/>
+          </a:bodyPr>
+          <a:lstStyle>
+            <a:lvl1pPr eaLnBrk="0" fontAlgn="base" hangingPunct="0">
+              <a:spcBef>
+                <a:spcPct val="0"/>
+              </a:spcBef>
+              <a:spcAft>
+                <a:spcPct val="0"/>
+              </a:spcAft>
+              <a:defRPr>
+                <a:solidFill>
+                  <a:schemeClr val="tx1"/>
+                </a:solidFill>
+                <a:latin typeface="Arial" panose="020B0604020202020204" pitchFamily="34" charset="0"/>
+              </a:defRPr>
+            </a:lvl1pPr>
+            <a:lvl2pPr eaLnBrk="0" fontAlgn="base" hangingPunct="0">
+              <a:spcBef>
+                <a:spcPct val="0"/>
+              </a:spcBef>
+              <a:spcAft>
+                <a:spcPct val="0"/>
+              </a:spcAft>
+              <a:defRPr>
+                <a:solidFill>
+                  <a:schemeClr val="tx1"/>
+                </a:solidFill>
+                <a:latin typeface="Arial" panose="020B0604020202020204" pitchFamily="34" charset="0"/>
+              </a:defRPr>
+            </a:lvl2pPr>
+            <a:lvl3pPr eaLnBrk="0" fontAlgn="base" hangingPunct="0">
+              <a:spcBef>
+                <a:spcPct val="0"/>
+              </a:spcBef>
+              <a:spcAft>
+                <a:spcPct val="0"/>
+              </a:spcAft>
+              <a:defRPr>
+                <a:solidFill>
+                  <a:schemeClr val="tx1"/>
+                </a:solidFill>
+                <a:latin typeface="Arial" panose="020B0604020202020204" pitchFamily="34" charset="0"/>
+              </a:defRPr>
+            </a:lvl3pPr>
+            <a:lvl4pPr eaLnBrk="0" fontAlgn="base" hangingPunct="0">
+              <a:spcBef>
+                <a:spcPct val="0"/>
+              </a:spcBef>
+              <a:spcAft>
+                <a:spcPct val="0"/>
+              </a:spcAft>
+              <a:defRPr>
+                <a:solidFill>
+                  <a:schemeClr val="tx1"/>
+                </a:solidFill>
+                <a:latin typeface="Arial" panose="020B0604020202020204" pitchFamily="34" charset="0"/>
+              </a:defRPr>
+            </a:lvl4pPr>
+            <a:lvl5pPr eaLnBrk="0" fontAlgn="base" hangingPunct="0">
+              <a:spcBef>
+                <a:spcPct val="0"/>
+              </a:spcBef>
+              <a:spcAft>
+                <a:spcPct val="0"/>
+              </a:spcAft>
+              <a:defRPr>
+                <a:solidFill>
+                  <a:schemeClr val="tx1"/>
+                </a:solidFill>
+                <a:latin typeface="Arial" panose="020B0604020202020204" pitchFamily="34" charset="0"/>
+              </a:defRPr>
+            </a:lvl5pPr>
+            <a:lvl6pPr eaLnBrk="0" fontAlgn="base" hangingPunct="0">
+              <a:spcBef>
+                <a:spcPct val="0"/>
+              </a:spcBef>
+              <a:spcAft>
+                <a:spcPct val="0"/>
+              </a:spcAft>
+              <a:defRPr>
+                <a:solidFill>
+                  <a:schemeClr val="tx1"/>
+                </a:solidFill>
+                <a:latin typeface="Arial" panose="020B0604020202020204" pitchFamily="34" charset="0"/>
+              </a:defRPr>
+            </a:lvl6pPr>
+            <a:lvl7pPr eaLnBrk="0" fontAlgn="base" hangingPunct="0">
+              <a:spcBef>
+                <a:spcPct val="0"/>
+              </a:spcBef>
+              <a:spcAft>
+                <a:spcPct val="0"/>
+              </a:spcAft>
+              <a:defRPr>
+                <a:solidFill>
+                  <a:schemeClr val="tx1"/>
+                </a:solidFill>
+                <a:latin typeface="Arial" panose="020B0604020202020204" pitchFamily="34" charset="0"/>
+              </a:defRPr>
+            </a:lvl7pPr>
+            <a:lvl8pPr eaLnBrk="0" fontAlgn="base" hangingPunct="0">
+              <a:spcBef>
+                <a:spcPct val="0"/>
+              </a:spcBef>
+              <a:spcAft>
+                <a:spcPct val="0"/>
+              </a:spcAft>
+              <a:defRPr>
+                <a:solidFill>
+                  <a:schemeClr val="tx1"/>
+                </a:solidFill>
+                <a:latin typeface="Arial" panose="020B0604020202020204" pitchFamily="34" charset="0"/>
+              </a:defRPr>
+            </a:lvl8pPr>
+            <a:lvl9pPr eaLnBrk="0" fontAlgn="base" hangingPunct="0">
+              <a:spcBef>
+                <a:spcPct val="0"/>
+              </a:spcBef>
+              <a:spcAft>
+                <a:spcPct val="0"/>
+              </a:spcAft>
+              <a:defRPr>
+                <a:solidFill>
+                  <a:schemeClr val="tx1"/>
+                </a:solidFill>
+                <a:latin typeface="Arial" panose="020B0604020202020204" pitchFamily="34" charset="0"/>
+              </a:defRPr>
+            </a:lvl9pPr>
+          </a:lstStyle>
+          <a:p>
+            <a:pPr marL="0" marR="0" lvl="0" indent="0" algn="l" defTabSz="914400" rtl="0" eaLnBrk="0" fontAlgn="base" latinLnBrk="0" hangingPunct="0">
+              <a:lnSpc>
+                <a:spcPct val="100000"/>
+              </a:lnSpc>
+              <a:spcBef>
+                <a:spcPct val="0"/>
+              </a:spcBef>
+              <a:spcAft>
+                <a:spcPct val="0"/>
+              </a:spcAft>
+              <a:buClrTx/>
+              <a:buSzTx/>
+              <a:buFontTx/>
+              <a:buNone/>
+              <a:tabLst/>
+            </a:pPr>
+            <a:r>
+              <a:rPr kumimoji="0" lang="en-US" altLang="en-US" sz="1100" b="0" i="0" u="none" strike="noStrike" cap="none" normalizeH="0" baseline="0" dirty="0" smtClean="0">
+                <a:ln>
+                  <a:noFill/>
+                </a:ln>
+                <a:solidFill>
+                  <a:srgbClr val="000000"/>
+                </a:solidFill>
+                <a:effectLst/>
+                <a:latin typeface="Verdana" panose="020B0604030504040204" pitchFamily="34" charset="0"/>
+              </a:rPr>
+              <a:t>s</a:t>
+            </a:r>
+            <a:endParaRPr kumimoji="0" lang="en-US" altLang="en-US" sz="1800" b="0" i="0" u="none" strike="noStrike" cap="none" normalizeH="0" baseline="0" dirty="0" smtClean="0">
+              <a:ln>
+                <a:noFill/>
+              </a:ln>
+              <a:solidFill>
+                <a:schemeClr val="tx1"/>
+              </a:solidFill>
+              <a:effectLst/>
+              <a:latin typeface="Arial" panose="020B0604020202020204" pitchFamily="34" charset="0"/>
+            </a:endParaRPr>
           </a:p>
         </p:txBody>
       </p:sp>
@@ -6891,11 +7230,7 @@
             </a:r>
             <a:r>
               <a:rPr lang="en-US" dirty="0" smtClean="0"/>
-              <a:t> it must implement a method at the </a:t>
-            </a:r>
-            <a:r>
-              <a:rPr lang="en-US" dirty="0" smtClean="0"/>
-              <a:t>key[</a:t>
+              <a:t> it must implement a method at the key[</a:t>
             </a:r>
             <a:r>
               <a:rPr lang="en-US" dirty="0" err="1" smtClean="0"/>
